--- a/otel teoria/Day 1 session 2.3 Instalacja i Konfiguracja.pptx
+++ b/otel teoria/Day 1 session 2.3 Instalacja i Konfiguracja.pptx
@@ -210,7 +210,7 @@
           <a:p>
             <a:fld id="{B6182559-CB5C-D240-A660-003CD22EEEA2}" type="datetimeFigureOut">
               <a:rPr lang="pl-PL" smtClean="0"/>
-              <a:t>1.10.2024</a:t>
+              <a:t>2.10.2024</a:t>
             </a:fld>
             <a:endParaRPr lang="pl-PL"/>
           </a:p>
@@ -657,7 +657,7 @@
           <a:p>
             <a:fld id="{5BCAD085-E8A6-8845-BD4E-CB4CCA059FC4}" type="datetimeFigureOut">
               <a:rPr lang="en-US" smtClean="0"/>
-              <a:t>10/1/24</a:t>
+              <a:t>10/2/24</a:t>
             </a:fld>
             <a:endParaRPr lang="en-US"/>
           </a:p>
@@ -825,7 +825,7 @@
           <a:p>
             <a:fld id="{5BCAD085-E8A6-8845-BD4E-CB4CCA059FC4}" type="datetimeFigureOut">
               <a:rPr lang="en-US" smtClean="0"/>
-              <a:t>10/1/24</a:t>
+              <a:t>10/2/24</a:t>
             </a:fld>
             <a:endParaRPr lang="en-US"/>
           </a:p>
@@ -1003,7 +1003,7 @@
           <a:p>
             <a:fld id="{5BCAD085-E8A6-8845-BD4E-CB4CCA059FC4}" type="datetimeFigureOut">
               <a:rPr lang="en-US" smtClean="0"/>
-              <a:t>10/1/24</a:t>
+              <a:t>10/2/24</a:t>
             </a:fld>
             <a:endParaRPr lang="en-US"/>
           </a:p>
@@ -1171,7 +1171,7 @@
           <a:p>
             <a:fld id="{5BCAD085-E8A6-8845-BD4E-CB4CCA059FC4}" type="datetimeFigureOut">
               <a:rPr lang="en-US" smtClean="0"/>
-              <a:t>10/1/24</a:t>
+              <a:t>10/2/24</a:t>
             </a:fld>
             <a:endParaRPr lang="en-US"/>
           </a:p>
@@ -1416,7 +1416,7 @@
           <a:p>
             <a:fld id="{5BCAD085-E8A6-8845-BD4E-CB4CCA059FC4}" type="datetimeFigureOut">
               <a:rPr lang="en-US" smtClean="0"/>
-              <a:t>10/1/24</a:t>
+              <a:t>10/2/24</a:t>
             </a:fld>
             <a:endParaRPr lang="en-US"/>
           </a:p>
@@ -1701,7 +1701,7 @@
           <a:p>
             <a:fld id="{5BCAD085-E8A6-8845-BD4E-CB4CCA059FC4}" type="datetimeFigureOut">
               <a:rPr lang="en-US" smtClean="0"/>
-              <a:t>10/1/24</a:t>
+              <a:t>10/2/24</a:t>
             </a:fld>
             <a:endParaRPr lang="en-US"/>
           </a:p>
@@ -2120,7 +2120,7 @@
           <a:p>
             <a:fld id="{5BCAD085-E8A6-8845-BD4E-CB4CCA059FC4}" type="datetimeFigureOut">
               <a:rPr lang="en-US" smtClean="0"/>
-              <a:t>10/1/24</a:t>
+              <a:t>10/2/24</a:t>
             </a:fld>
             <a:endParaRPr lang="en-US"/>
           </a:p>
@@ -2237,7 +2237,7 @@
           <a:p>
             <a:fld id="{5BCAD085-E8A6-8845-BD4E-CB4CCA059FC4}" type="datetimeFigureOut">
               <a:rPr lang="en-US" smtClean="0"/>
-              <a:t>10/1/24</a:t>
+              <a:t>10/2/24</a:t>
             </a:fld>
             <a:endParaRPr lang="en-US"/>
           </a:p>
@@ -2332,7 +2332,7 @@
           <a:p>
             <a:fld id="{5BCAD085-E8A6-8845-BD4E-CB4CCA059FC4}" type="datetimeFigureOut">
               <a:rPr lang="en-US" smtClean="0"/>
-              <a:t>10/1/24</a:t>
+              <a:t>10/2/24</a:t>
             </a:fld>
             <a:endParaRPr lang="en-US"/>
           </a:p>
@@ -2607,7 +2607,7 @@
           <a:p>
             <a:fld id="{5BCAD085-E8A6-8845-BD4E-CB4CCA059FC4}" type="datetimeFigureOut">
               <a:rPr lang="en-US" smtClean="0"/>
-              <a:t>10/1/24</a:t>
+              <a:t>10/2/24</a:t>
             </a:fld>
             <a:endParaRPr lang="en-US"/>
           </a:p>
@@ -2859,7 +2859,7 @@
           <a:p>
             <a:fld id="{5BCAD085-E8A6-8845-BD4E-CB4CCA059FC4}" type="datetimeFigureOut">
               <a:rPr lang="en-US" smtClean="0"/>
-              <a:t>10/1/24</a:t>
+              <a:t>10/2/24</a:t>
             </a:fld>
             <a:endParaRPr lang="en-US"/>
           </a:p>
@@ -3070,7 +3070,7 @@
           <a:p>
             <a:fld id="{5BCAD085-E8A6-8845-BD4E-CB4CCA059FC4}" type="datetimeFigureOut">
               <a:rPr lang="en-US" smtClean="0"/>
-              <a:t>10/1/24</a:t>
+              <a:t>10/2/24</a:t>
             </a:fld>
             <a:endParaRPr lang="en-US"/>
           </a:p>
@@ -3457,19 +3457,38 @@
         </p:nvSpPr>
         <p:spPr/>
         <p:txBody>
-          <a:bodyPr/>
-          <a:lstStyle/>
-          <a:p>
-            <a:r>
-              <a:rPr dirty="0" err="1"/>
+          <a:bodyPr>
+            <a:normAutofit fontScale="90000"/>
+          </a:bodyPr>
+          <a:lstStyle/>
+          <a:p>
+            <a:r>
+              <a:rPr lang="en-GB" dirty="0" err="1"/>
               <a:t>Szkolenie</a:t>
             </a:r>
             <a:r>
-              <a:rPr dirty="0"/>
+              <a:rPr lang="en-GB" dirty="0"/>
               <a:t> </a:t>
             </a:r>
-            <a:r>
-              <a:rPr dirty="0" err="1"/>
+            <a:br>
+              <a:rPr lang="en-GB" dirty="0"/>
+            </a:br>
+            <a:br>
+              <a:rPr lang="en-GB" dirty="0"/>
+            </a:br>
+            <a:r>
+              <a:rPr lang="en-GB" dirty="0" err="1"/>
+              <a:t>Instrumentacja</a:t>
+            </a:r>
+            <a:r>
+              <a:rPr lang="en-GB" dirty="0"/>
+              <a:t> </a:t>
+            </a:r>
+            <a:br>
+              <a:rPr lang="en-GB" dirty="0"/>
+            </a:br>
+            <a:r>
+              <a:rPr lang="en-GB" dirty="0"/>
               <a:t>OpenTelemetry</a:t>
             </a:r>
             <a:endParaRPr dirty="0"/>
@@ -3486,7 +3505,12 @@
             <p:ph type="subTitle" idx="1"/>
           </p:nvPr>
         </p:nvSpPr>
-        <p:spPr/>
+        <p:spPr>
+          <a:xfrm>
+            <a:off x="1371600" y="4863662"/>
+            <a:ext cx="6400800" cy="1752600"/>
+          </a:xfrm>
+        </p:spPr>
         <p:txBody>
           <a:bodyPr/>
           <a:lstStyle/>
@@ -3512,7 +3536,7 @@
               <a:t>Konfiguracja</a:t>
             </a:r>
             <a:r>
-              <a:rPr lang="en-US"/>
+              <a:rPr lang="en-US" dirty="0"/>
               <a:t> </a:t>
             </a:r>
             <a:endParaRPr dirty="0"/>
@@ -3617,11 +3641,7 @@
           <a:p>
             <a:pPr marL="571500" lvl="1" indent="-171450"/>
             <a:r>
-              <a:rPr lang="pl-PL" sz="1400" dirty="0">
-                <a:highlight>
-                  <a:srgbClr val="00FF00"/>
-                </a:highlight>
-              </a:rPr>
+              <a:rPr lang="pl-PL" sz="1400" dirty="0"/>
               <a:t>Sesja 2: Wprowadzenie do OpenTelemetry</a:t>
             </a:r>
           </a:p>
